--- a/Update_meetings/Thesis_overview.pptx
+++ b/Update_meetings/Thesis_overview.pptx
@@ -5,7 +5,7 @@
     <p:sldMasterId id="2147483648" r:id="rId1"/>
   </p:sldMasterIdLst>
   <p:notesMasterIdLst>
-    <p:notesMasterId r:id="rId27"/>
+    <p:notesMasterId r:id="rId28"/>
   </p:notesMasterIdLst>
   <p:sldIdLst>
     <p:sldId id="280" r:id="rId2"/>
@@ -18,21 +18,22 @@
     <p:sldId id="286" r:id="rId9"/>
     <p:sldId id="287" r:id="rId10"/>
     <p:sldId id="288" r:id="rId11"/>
-    <p:sldId id="289" r:id="rId12"/>
-    <p:sldId id="290" r:id="rId13"/>
-    <p:sldId id="291" r:id="rId14"/>
-    <p:sldId id="292" r:id="rId15"/>
-    <p:sldId id="293" r:id="rId16"/>
-    <p:sldId id="294" r:id="rId17"/>
-    <p:sldId id="295" r:id="rId18"/>
-    <p:sldId id="296" r:id="rId19"/>
-    <p:sldId id="297" r:id="rId20"/>
-    <p:sldId id="298" r:id="rId21"/>
-    <p:sldId id="299" r:id="rId22"/>
-    <p:sldId id="300" r:id="rId23"/>
-    <p:sldId id="301" r:id="rId24"/>
-    <p:sldId id="262" r:id="rId25"/>
-    <p:sldId id="261" r:id="rId26"/>
+    <p:sldId id="302" r:id="rId12"/>
+    <p:sldId id="289" r:id="rId13"/>
+    <p:sldId id="290" r:id="rId14"/>
+    <p:sldId id="291" r:id="rId15"/>
+    <p:sldId id="292" r:id="rId16"/>
+    <p:sldId id="293" r:id="rId17"/>
+    <p:sldId id="294" r:id="rId18"/>
+    <p:sldId id="295" r:id="rId19"/>
+    <p:sldId id="296" r:id="rId20"/>
+    <p:sldId id="297" r:id="rId21"/>
+    <p:sldId id="298" r:id="rId22"/>
+    <p:sldId id="299" r:id="rId23"/>
+    <p:sldId id="300" r:id="rId24"/>
+    <p:sldId id="301" r:id="rId25"/>
+    <p:sldId id="262" r:id="rId26"/>
+    <p:sldId id="261" r:id="rId27"/>
   </p:sldIdLst>
   <p:sldSz cx="9144000" cy="6858000" type="screen4x3"/>
   <p:notesSz cx="6858000" cy="9144000"/>
@@ -255,7 +256,7 @@
               <a:pPr>
                 <a:defRPr/>
               </a:pPr>
-              <a:t>2/10/2015</a:t>
+              <a:t>2/11/2015</a:t>
             </a:fld>
             <a:endParaRPr lang="en-US" dirty="0"/>
           </a:p>
@@ -5715,11 +5716,7 @@
             </a:pPr>
             <a:r>
               <a:rPr lang="en-US" altLang="en-US" dirty="0" smtClean="0"/>
-              <a:t>03 February </a:t>
-            </a:r>
-            <a:r>
-              <a:rPr lang="en-US" altLang="en-US" dirty="0" smtClean="0"/>
-              <a:t>2015</a:t>
+              <a:t>03 February 2015</a:t>
             </a:r>
           </a:p>
         </p:txBody>
@@ -6077,43 +6074,79 @@
             <a:pPr lvl="1"/>
             <a:r>
               <a:rPr lang="it-IT" sz="1600" dirty="0" smtClean="0"/>
-              <a:t>Prof. Ronald Aarts (TUe)</a:t>
+              <a:t>Promoter (1) Prof</a:t>
+            </a:r>
+            <a:r>
+              <a:rPr lang="it-IT" sz="1600" dirty="0" smtClean="0"/>
+              <a:t>. Ronald Aarts (TUe</a:t>
+            </a:r>
+            <a:r>
+              <a:rPr lang="it-IT" sz="1600" dirty="0" smtClean="0"/>
+              <a:t>)</a:t>
             </a:r>
           </a:p>
           <a:p>
             <a:pPr lvl="1"/>
             <a:r>
               <a:rPr lang="it-IT" sz="1600" dirty="0" smtClean="0"/>
-              <a:t>Bert den Brinker</a:t>
+              <a:t>Promoter (2) Prof</a:t>
+            </a:r>
+            <a:r>
+              <a:rPr lang="it-IT" sz="1600" dirty="0"/>
+              <a:t>. Wouters</a:t>
+            </a:r>
+            <a:endParaRPr lang="it-IT" sz="1600" dirty="0" smtClean="0"/>
+          </a:p>
+          <a:p>
+            <a:pPr lvl="1"/>
+            <a:r>
+              <a:rPr lang="it-IT" sz="1600" dirty="0" smtClean="0"/>
+              <a:t>Co-promoter (1)  </a:t>
+            </a:r>
+            <a:r>
+              <a:rPr lang="it-IT" sz="1600" dirty="0" smtClean="0"/>
+              <a:t>Bert </a:t>
+            </a:r>
+            <a:r>
+              <a:rPr lang="it-IT" sz="1600" dirty="0" smtClean="0"/>
+              <a:t>den Brinker</a:t>
             </a:r>
           </a:p>
           <a:p>
             <a:pPr lvl="1"/>
             <a:r>
+              <a:rPr lang="it-IT" sz="1600" dirty="0"/>
+              <a:t>Co-promoter </a:t>
+            </a:r>
+            <a:r>
               <a:rPr lang="it-IT" sz="1600" dirty="0" smtClean="0"/>
-              <a:t>Martijn Spruit</a:t>
+              <a:t> (2)  Martijn </a:t>
             </a:r>
+            <a:r>
+              <a:rPr lang="it-IT" sz="1600" dirty="0" smtClean="0"/>
+              <a:t>Spruit</a:t>
+            </a:r>
+            <a:endParaRPr lang="it-IT" sz="1600" dirty="0" smtClean="0"/>
           </a:p>
           <a:p>
             <a:pPr lvl="1"/>
             <a:r>
               <a:rPr lang="it-IT" sz="1600" dirty="0" smtClean="0"/>
-              <a:t>Prof. Wouters	</a:t>
+              <a:t>+ 1 decided by CIRO</a:t>
             </a:r>
+            <a:endParaRPr lang="it-IT" sz="1600" dirty="0" smtClean="0"/>
           </a:p>
           <a:p>
             <a:pPr lvl="1"/>
             <a:r>
               <a:rPr lang="it-IT" sz="1600" dirty="0" smtClean="0"/>
-              <a:t> ?</a:t>
+              <a:t> </a:t>
             </a:r>
-          </a:p>
-          <a:p>
-            <a:pPr lvl="1"/>
             <a:r>
               <a:rPr lang="it-IT" sz="1600" dirty="0" smtClean="0"/>
-              <a:t> ?</a:t>
+              <a:t>Pierluigi Casale (? Holst)</a:t>
             </a:r>
+            <a:endParaRPr lang="it-IT" sz="1600" dirty="0" smtClean="0"/>
           </a:p>
           <a:p>
             <a:pPr lvl="1"/>
@@ -6123,15 +6156,18 @@
             </a:r>
             <a:r>
               <a:rPr lang="it-IT" sz="1600" dirty="0" smtClean="0"/>
-              <a:t>?</a:t>
+              <a:t>Pieter  Wijn (? TU/e) / Aki Harma (? Philips)</a:t>
             </a:r>
+          </a:p>
+          <a:p>
+            <a:pPr lvl="1"/>
+            <a:endParaRPr lang="it-IT" sz="1600" dirty="0" smtClean="0"/>
           </a:p>
           <a:p>
             <a:r>
               <a:rPr lang="it-IT" sz="1600" dirty="0" smtClean="0"/>
               <a:t>Travel budget conferences</a:t>
             </a:r>
-            <a:endParaRPr lang="it-IT" sz="1600" dirty="0" smtClean="0"/>
           </a:p>
           <a:p>
             <a:pPr lvl="1"/>
@@ -6208,6 +6244,102 @@
 </file>
 
 <file path=ppt/slides/slide11.xml><?xml version="1.0" encoding="utf-8"?>
+<p:sld xmlns:a="http://schemas.openxmlformats.org/drawingml/2006/main" xmlns:r="http://schemas.openxmlformats.org/officeDocument/2006/relationships" xmlns:p="http://schemas.openxmlformats.org/presentationml/2006/main">
+  <p:cSld>
+    <p:spTree>
+      <p:nvGrpSpPr>
+        <p:cNvPr id="1" name=""/>
+        <p:cNvGrpSpPr/>
+        <p:nvPr/>
+      </p:nvGrpSpPr>
+      <p:grpSpPr>
+        <a:xfrm>
+          <a:off x="0" y="0"/>
+          <a:ext cx="0" cy="0"/>
+          <a:chOff x="0" y="0"/>
+          <a:chExt cx="0" cy="0"/>
+        </a:xfrm>
+      </p:grpSpPr>
+      <p:sp>
+        <p:nvSpPr>
+          <p:cNvPr id="2" name="Title 1"/>
+          <p:cNvSpPr>
+            <a:spLocks noGrp="1"/>
+          </p:cNvSpPr>
+          <p:nvPr>
+            <p:ph type="title"/>
+          </p:nvPr>
+        </p:nvSpPr>
+        <p:spPr/>
+        <p:txBody>
+          <a:bodyPr/>
+          <a:lstStyle/>
+          <a:p>
+            <a:endParaRPr lang="it-IT"/>
+          </a:p>
+        </p:txBody>
+      </p:sp>
+      <p:sp>
+        <p:nvSpPr>
+          <p:cNvPr id="3" name="Content Placeholder 2"/>
+          <p:cNvSpPr>
+            <a:spLocks noGrp="1"/>
+          </p:cNvSpPr>
+          <p:nvPr>
+            <p:ph idx="1"/>
+          </p:nvPr>
+        </p:nvSpPr>
+        <p:spPr/>
+        <p:txBody>
+          <a:bodyPr/>
+          <a:lstStyle/>
+          <a:p>
+            <a:r>
+              <a:rPr lang="it-IT" dirty="0" smtClean="0"/>
+              <a:t>2 Conferences published</a:t>
+            </a:r>
+          </a:p>
+          <a:p>
+            <a:r>
+              <a:rPr lang="it-IT" dirty="0" smtClean="0"/>
+              <a:t>2 Jurnals (1-2) (submitted)</a:t>
+            </a:r>
+          </a:p>
+          <a:p>
+            <a:r>
+              <a:rPr lang="it-IT" dirty="0" smtClean="0"/>
+              <a:t>1 Conference in progress (3)</a:t>
+            </a:r>
+          </a:p>
+          <a:p>
+            <a:r>
+              <a:rPr lang="it-IT" dirty="0" smtClean="0"/>
+              <a:t>1 Journal related to Conference (3)</a:t>
+            </a:r>
+          </a:p>
+          <a:p>
+            <a:r>
+              <a:rPr lang="it-IT" dirty="0" smtClean="0"/>
+              <a:t>1 Journal related to Journal (2)</a:t>
+            </a:r>
+            <a:endParaRPr lang="it-IT" dirty="0"/>
+          </a:p>
+        </p:txBody>
+      </p:sp>
+    </p:spTree>
+    <p:extLst>
+      <p:ext uri="{BB962C8B-B14F-4D97-AF65-F5344CB8AC3E}">
+        <p14:creationId xmlns:p14="http://schemas.microsoft.com/office/powerpoint/2010/main" val="2503815552"/>
+      </p:ext>
+    </p:extLst>
+  </p:cSld>
+  <p:clrMapOvr>
+    <a:masterClrMapping/>
+  </p:clrMapOvr>
+</p:sld>
+</file>
+
+<file path=ppt/slides/slide12.xml><?xml version="1.0" encoding="utf-8"?>
 <p:sld xmlns:a="http://schemas.openxmlformats.org/drawingml/2006/main" xmlns:r="http://schemas.openxmlformats.org/officeDocument/2006/relationships" xmlns:p="http://schemas.openxmlformats.org/presentationml/2006/main">
   <p:cSld>
     <p:spTree>
@@ -7077,7 +7209,7 @@
 </p:sld>
 </file>
 
-<file path=ppt/slides/slide12.xml><?xml version="1.0" encoding="utf-8"?>
+<file path=ppt/slides/slide13.xml><?xml version="1.0" encoding="utf-8"?>
 <p:sld xmlns:a="http://schemas.openxmlformats.org/drawingml/2006/main" xmlns:r="http://schemas.openxmlformats.org/officeDocument/2006/relationships" xmlns:p="http://schemas.openxmlformats.org/presentationml/2006/main">
   <p:cSld>
     <p:spTree>
@@ -7226,7 +7358,7 @@
 </p:sld>
 </file>
 
-<file path=ppt/slides/slide13.xml><?xml version="1.0" encoding="utf-8"?>
+<file path=ppt/slides/slide14.xml><?xml version="1.0" encoding="utf-8"?>
 <p:sld xmlns:a="http://schemas.openxmlformats.org/drawingml/2006/main" xmlns:r="http://schemas.openxmlformats.org/officeDocument/2006/relationships" xmlns:p="http://schemas.openxmlformats.org/presentationml/2006/main">
   <p:cSld>
     <p:spTree>
@@ -7304,7 +7436,7 @@
 </p:sld>
 </file>
 
-<file path=ppt/slides/slide14.xml><?xml version="1.0" encoding="utf-8"?>
+<file path=ppt/slides/slide15.xml><?xml version="1.0" encoding="utf-8"?>
 <p:sld xmlns:a="http://schemas.openxmlformats.org/drawingml/2006/main" xmlns:r="http://schemas.openxmlformats.org/officeDocument/2006/relationships" xmlns:p="http://schemas.openxmlformats.org/presentationml/2006/main">
   <p:cSld>
     <p:spTree>
@@ -7385,7 +7517,7 @@
 </p:sld>
 </file>
 
-<file path=ppt/slides/slide15.xml><?xml version="1.0" encoding="utf-8"?>
+<file path=ppt/slides/slide16.xml><?xml version="1.0" encoding="utf-8"?>
 <p:sld xmlns:a="http://schemas.openxmlformats.org/drawingml/2006/main" xmlns:r="http://schemas.openxmlformats.org/officeDocument/2006/relationships" xmlns:p="http://schemas.openxmlformats.org/presentationml/2006/main">
   <p:cSld>
     <p:spTree>
@@ -8181,7 +8313,7 @@
 </p:sld>
 </file>
 
-<file path=ppt/slides/slide16.xml><?xml version="1.0" encoding="utf-8"?>
+<file path=ppt/slides/slide17.xml><?xml version="1.0" encoding="utf-8"?>
 <p:sld xmlns:a="http://schemas.openxmlformats.org/drawingml/2006/main" xmlns:r="http://schemas.openxmlformats.org/officeDocument/2006/relationships" xmlns:p="http://schemas.openxmlformats.org/presentationml/2006/main">
   <p:cSld>
     <p:spTree>
@@ -9349,7 +9481,7 @@
 </p:sld>
 </file>
 
-<file path=ppt/slides/slide17.xml><?xml version="1.0" encoding="utf-8"?>
+<file path=ppt/slides/slide18.xml><?xml version="1.0" encoding="utf-8"?>
 <p:sld xmlns:a="http://schemas.openxmlformats.org/drawingml/2006/main" xmlns:r="http://schemas.openxmlformats.org/officeDocument/2006/relationships" xmlns:p="http://schemas.openxmlformats.org/presentationml/2006/main">
   <p:cSld>
     <p:spTree>
@@ -11154,7 +11286,7 @@
 </p:sld>
 </file>
 
-<file path=ppt/slides/slide18.xml><?xml version="1.0" encoding="utf-8"?>
+<file path=ppt/slides/slide19.xml><?xml version="1.0" encoding="utf-8"?>
 <p:sld xmlns:a="http://schemas.openxmlformats.org/drawingml/2006/main" xmlns:r="http://schemas.openxmlformats.org/officeDocument/2006/relationships" xmlns:p="http://schemas.openxmlformats.org/presentationml/2006/main">
   <p:cSld>
     <p:spTree>
@@ -12565,7 +12697,241 @@
 </p:sld>
 </file>
 
-<file path=ppt/slides/slide19.xml><?xml version="1.0" encoding="utf-8"?>
+<file path=ppt/slides/slide2.xml><?xml version="1.0" encoding="utf-8"?>
+<p:sld xmlns:a="http://schemas.openxmlformats.org/drawingml/2006/main" xmlns:r="http://schemas.openxmlformats.org/officeDocument/2006/relationships" xmlns:p="http://schemas.openxmlformats.org/presentationml/2006/main">
+  <p:cSld>
+    <p:spTree>
+      <p:nvGrpSpPr>
+        <p:cNvPr id="1" name=""/>
+        <p:cNvGrpSpPr/>
+        <p:nvPr/>
+      </p:nvGrpSpPr>
+      <p:grpSpPr>
+        <a:xfrm>
+          <a:off x="0" y="0"/>
+          <a:ext cx="0" cy="0"/>
+          <a:chOff x="0" y="0"/>
+          <a:chExt cx="0" cy="0"/>
+        </a:xfrm>
+      </p:grpSpPr>
+      <p:sp>
+        <p:nvSpPr>
+          <p:cNvPr id="10242" name="Text Placeholder 1"/>
+          <p:cNvSpPr>
+            <a:spLocks noGrp="1"/>
+          </p:cNvSpPr>
+          <p:nvPr>
+            <p:ph type="body" sz="quarter" idx="10"/>
+          </p:nvPr>
+        </p:nvSpPr>
+        <p:spPr bwMode="auto">
+          <a:xfrm>
+            <a:off x="828675" y="828675"/>
+            <a:ext cx="7486650" cy="512763"/>
+          </a:xfrm>
+          <a:noFill/>
+          <a:extLst>
+            <a:ext uri="{909E8E84-426E-40DD-AFC4-6F175D3DCCD1}">
+              <a14:hiddenFill xmlns:a14="http://schemas.microsoft.com/office/drawing/2010/main">
+                <a:solidFill>
+                  <a:srgbClr val="FFFFFF"/>
+                </a:solidFill>
+              </a14:hiddenFill>
+            </a:ext>
+            <a:ext uri="{91240B29-F687-4F45-9708-019B960494DF}">
+              <a14:hiddenLine xmlns:a14="http://schemas.microsoft.com/office/drawing/2010/main" w="9525">
+                <a:solidFill>
+                  <a:srgbClr val="000000"/>
+                </a:solidFill>
+                <a:miter lim="800000"/>
+                <a:headEnd/>
+                <a:tailEnd/>
+              </a14:hiddenLine>
+            </a:ext>
+          </a:extLst>
+        </p:spPr>
+        <p:txBody>
+          <a:bodyPr vert="horz" wrap="square" numCol="1" anchor="t" anchorCtr="0" compatLnSpc="1">
+            <a:prstTxWarp prst="textNoShape">
+              <a:avLst/>
+            </a:prstTxWarp>
+          </a:bodyPr>
+          <a:lstStyle/>
+          <a:p>
+            <a:pPr>
+              <a:spcBef>
+                <a:spcPct val="0"/>
+              </a:spcBef>
+            </a:pPr>
+            <a:r>
+              <a:rPr lang="en-US" altLang="it-IT" dirty="0" smtClean="0"/>
+              <a:t>Ph.D. in Electrical Engineering overview </a:t>
+            </a:r>
+          </a:p>
+        </p:txBody>
+      </p:sp>
+      <p:sp>
+        <p:nvSpPr>
+          <p:cNvPr id="10243" name="Text Placeholder 2"/>
+          <p:cNvSpPr>
+            <a:spLocks noGrp="1"/>
+          </p:cNvSpPr>
+          <p:nvPr>
+            <p:ph type="body" sz="quarter" idx="12"/>
+          </p:nvPr>
+        </p:nvSpPr>
+        <p:spPr bwMode="auto">
+          <a:xfrm>
+            <a:off x="828675" y="1368425"/>
+            <a:ext cx="7486650" cy="374650"/>
+          </a:xfrm>
+          <a:noFill/>
+          <a:extLst>
+            <a:ext uri="{909E8E84-426E-40DD-AFC4-6F175D3DCCD1}">
+              <a14:hiddenFill xmlns:a14="http://schemas.microsoft.com/office/drawing/2010/main">
+                <a:solidFill>
+                  <a:srgbClr val="FFFFFF"/>
+                </a:solidFill>
+              </a14:hiddenFill>
+            </a:ext>
+            <a:ext uri="{91240B29-F687-4F45-9708-019B960494DF}">
+              <a14:hiddenLine xmlns:a14="http://schemas.microsoft.com/office/drawing/2010/main" w="9525">
+                <a:solidFill>
+                  <a:srgbClr val="000000"/>
+                </a:solidFill>
+                <a:miter lim="800000"/>
+                <a:headEnd/>
+                <a:tailEnd/>
+              </a14:hiddenLine>
+            </a:ext>
+          </a:extLst>
+        </p:spPr>
+        <p:txBody>
+          <a:bodyPr vert="horz" wrap="square" numCol="1" anchor="t" anchorCtr="0" compatLnSpc="1">
+            <a:prstTxWarp prst="textNoShape">
+              <a:avLst/>
+            </a:prstTxWarp>
+          </a:bodyPr>
+          <a:lstStyle/>
+          <a:p>
+            <a:pPr>
+              <a:spcBef>
+                <a:spcPct val="0"/>
+              </a:spcBef>
+            </a:pPr>
+            <a:r>
+              <a:rPr lang="en-US" altLang="it-IT" b="1" i="1" dirty="0" smtClean="0"/>
+              <a:t>Patient monitoring strategies in Chronic Obstructive Pulmonary Disease (COPD) patients</a:t>
+            </a:r>
+            <a:endParaRPr lang="en-US" altLang="it-IT" dirty="0" smtClean="0"/>
+          </a:p>
+        </p:txBody>
+      </p:sp>
+      <p:sp>
+        <p:nvSpPr>
+          <p:cNvPr id="4" name="Text Placeholder 3"/>
+          <p:cNvSpPr>
+            <a:spLocks noGrp="1"/>
+          </p:cNvSpPr>
+          <p:nvPr>
+            <p:ph type="body" sz="quarter" idx="13"/>
+          </p:nvPr>
+        </p:nvSpPr>
+        <p:spPr>
+          <a:xfrm>
+            <a:off x="828675" y="2657475"/>
+            <a:ext cx="7488238" cy="1076325"/>
+          </a:xfrm>
+        </p:spPr>
+        <p:txBody>
+          <a:bodyPr/>
+          <a:lstStyle/>
+          <a:p>
+            <a:pPr marL="0" indent="0" algn="ctr">
+              <a:buFont typeface="Arial" charset="0"/>
+              <a:buNone/>
+              <a:defRPr/>
+            </a:pPr>
+            <a:r>
+              <a:rPr lang="en-US" dirty="0" smtClean="0"/>
+              <a:t>Unobtrusive </a:t>
+            </a:r>
+            <a:r>
+              <a:rPr lang="en-US" dirty="0" smtClean="0">
+                <a:solidFill>
+                  <a:schemeClr val="accent5"/>
+                </a:solidFill>
+              </a:rPr>
+              <a:t>technologies</a:t>
+            </a:r>
+            <a:r>
+              <a:rPr lang="en-US" dirty="0" smtClean="0"/>
+              <a:t>, signal </a:t>
+            </a:r>
+            <a:r>
+              <a:rPr lang="en-US" dirty="0"/>
+              <a:t>processing and machine learning </a:t>
+            </a:r>
+            <a:r>
+              <a:rPr lang="en-US" dirty="0" smtClean="0">
+                <a:solidFill>
+                  <a:schemeClr val="accent5"/>
+                </a:solidFill>
+              </a:rPr>
+              <a:t>algorithms</a:t>
+            </a:r>
+            <a:r>
+              <a:rPr lang="en-US" dirty="0" smtClean="0"/>
+              <a:t> for modular </a:t>
+            </a:r>
+            <a:r>
+              <a:rPr lang="en-US" dirty="0" smtClean="0">
+                <a:solidFill>
+                  <a:schemeClr val="accent5"/>
+                </a:solidFill>
+              </a:rPr>
+              <a:t>patient training </a:t>
+            </a:r>
+            <a:r>
+              <a:rPr lang="en-US" dirty="0" smtClean="0"/>
+              <a:t>and </a:t>
+            </a:r>
+            <a:r>
+              <a:rPr lang="en-US" dirty="0" smtClean="0">
+                <a:solidFill>
+                  <a:schemeClr val="accent5"/>
+                </a:solidFill>
+              </a:rPr>
+              <a:t>monitoring</a:t>
+            </a:r>
+            <a:r>
+              <a:rPr lang="en-US" dirty="0" smtClean="0"/>
+              <a:t> systems</a:t>
+            </a:r>
+          </a:p>
+        </p:txBody>
+      </p:sp>
+    </p:spTree>
+    <p:extLst>
+      <p:ext uri="{BB962C8B-B14F-4D97-AF65-F5344CB8AC3E}">
+        <p14:creationId xmlns:p14="http://schemas.microsoft.com/office/powerpoint/2010/main" val="3496388726"/>
+      </p:ext>
+    </p:extLst>
+  </p:cSld>
+  <p:clrMapOvr>
+    <a:masterClrMapping/>
+  </p:clrMapOvr>
+  <p:timing>
+    <p:tnLst>
+      <p:par>
+        <p:cTn id="1" dur="indefinite" restart="never" nodeType="tmRoot"/>
+      </p:par>
+    </p:tnLst>
+  </p:timing>
+</p:sld>
+</file>
+
+<file path=ppt/slides/slide20.xml><?xml version="1.0" encoding="utf-8"?>
 <p:sld xmlns:a="http://schemas.openxmlformats.org/drawingml/2006/main" xmlns:r="http://schemas.openxmlformats.org/officeDocument/2006/relationships" xmlns:p="http://schemas.openxmlformats.org/presentationml/2006/main">
   <p:cSld>
     <p:spTree>
@@ -15338,241 +15704,7 @@
 </p:sld>
 </file>
 
-<file path=ppt/slides/slide2.xml><?xml version="1.0" encoding="utf-8"?>
-<p:sld xmlns:a="http://schemas.openxmlformats.org/drawingml/2006/main" xmlns:r="http://schemas.openxmlformats.org/officeDocument/2006/relationships" xmlns:p="http://schemas.openxmlformats.org/presentationml/2006/main">
-  <p:cSld>
-    <p:spTree>
-      <p:nvGrpSpPr>
-        <p:cNvPr id="1" name=""/>
-        <p:cNvGrpSpPr/>
-        <p:nvPr/>
-      </p:nvGrpSpPr>
-      <p:grpSpPr>
-        <a:xfrm>
-          <a:off x="0" y="0"/>
-          <a:ext cx="0" cy="0"/>
-          <a:chOff x="0" y="0"/>
-          <a:chExt cx="0" cy="0"/>
-        </a:xfrm>
-      </p:grpSpPr>
-      <p:sp>
-        <p:nvSpPr>
-          <p:cNvPr id="10242" name="Text Placeholder 1"/>
-          <p:cNvSpPr>
-            <a:spLocks noGrp="1"/>
-          </p:cNvSpPr>
-          <p:nvPr>
-            <p:ph type="body" sz="quarter" idx="10"/>
-          </p:nvPr>
-        </p:nvSpPr>
-        <p:spPr bwMode="auto">
-          <a:xfrm>
-            <a:off x="828675" y="828675"/>
-            <a:ext cx="7486650" cy="512763"/>
-          </a:xfrm>
-          <a:noFill/>
-          <a:extLst>
-            <a:ext uri="{909E8E84-426E-40DD-AFC4-6F175D3DCCD1}">
-              <a14:hiddenFill xmlns:a14="http://schemas.microsoft.com/office/drawing/2010/main">
-                <a:solidFill>
-                  <a:srgbClr val="FFFFFF"/>
-                </a:solidFill>
-              </a14:hiddenFill>
-            </a:ext>
-            <a:ext uri="{91240B29-F687-4F45-9708-019B960494DF}">
-              <a14:hiddenLine xmlns:a14="http://schemas.microsoft.com/office/drawing/2010/main" w="9525">
-                <a:solidFill>
-                  <a:srgbClr val="000000"/>
-                </a:solidFill>
-                <a:miter lim="800000"/>
-                <a:headEnd/>
-                <a:tailEnd/>
-              </a14:hiddenLine>
-            </a:ext>
-          </a:extLst>
-        </p:spPr>
-        <p:txBody>
-          <a:bodyPr vert="horz" wrap="square" numCol="1" anchor="t" anchorCtr="0" compatLnSpc="1">
-            <a:prstTxWarp prst="textNoShape">
-              <a:avLst/>
-            </a:prstTxWarp>
-          </a:bodyPr>
-          <a:lstStyle/>
-          <a:p>
-            <a:pPr>
-              <a:spcBef>
-                <a:spcPct val="0"/>
-              </a:spcBef>
-            </a:pPr>
-            <a:r>
-              <a:rPr lang="en-US" altLang="it-IT" dirty="0" smtClean="0"/>
-              <a:t>Ph.D. in Electrical Engineering overview </a:t>
-            </a:r>
-          </a:p>
-        </p:txBody>
-      </p:sp>
-      <p:sp>
-        <p:nvSpPr>
-          <p:cNvPr id="10243" name="Text Placeholder 2"/>
-          <p:cNvSpPr>
-            <a:spLocks noGrp="1"/>
-          </p:cNvSpPr>
-          <p:nvPr>
-            <p:ph type="body" sz="quarter" idx="12"/>
-          </p:nvPr>
-        </p:nvSpPr>
-        <p:spPr bwMode="auto">
-          <a:xfrm>
-            <a:off x="828675" y="1368425"/>
-            <a:ext cx="7486650" cy="374650"/>
-          </a:xfrm>
-          <a:noFill/>
-          <a:extLst>
-            <a:ext uri="{909E8E84-426E-40DD-AFC4-6F175D3DCCD1}">
-              <a14:hiddenFill xmlns:a14="http://schemas.microsoft.com/office/drawing/2010/main">
-                <a:solidFill>
-                  <a:srgbClr val="FFFFFF"/>
-                </a:solidFill>
-              </a14:hiddenFill>
-            </a:ext>
-            <a:ext uri="{91240B29-F687-4F45-9708-019B960494DF}">
-              <a14:hiddenLine xmlns:a14="http://schemas.microsoft.com/office/drawing/2010/main" w="9525">
-                <a:solidFill>
-                  <a:srgbClr val="000000"/>
-                </a:solidFill>
-                <a:miter lim="800000"/>
-                <a:headEnd/>
-                <a:tailEnd/>
-              </a14:hiddenLine>
-            </a:ext>
-          </a:extLst>
-        </p:spPr>
-        <p:txBody>
-          <a:bodyPr vert="horz" wrap="square" numCol="1" anchor="t" anchorCtr="0" compatLnSpc="1">
-            <a:prstTxWarp prst="textNoShape">
-              <a:avLst/>
-            </a:prstTxWarp>
-          </a:bodyPr>
-          <a:lstStyle/>
-          <a:p>
-            <a:pPr>
-              <a:spcBef>
-                <a:spcPct val="0"/>
-              </a:spcBef>
-            </a:pPr>
-            <a:r>
-              <a:rPr lang="en-US" altLang="it-IT" b="1" i="1" dirty="0" smtClean="0"/>
-              <a:t>Patient monitoring strategies in Chronic Obstructive Pulmonary Disease (COPD) patients</a:t>
-            </a:r>
-            <a:endParaRPr lang="en-US" altLang="it-IT" dirty="0" smtClean="0"/>
-          </a:p>
-        </p:txBody>
-      </p:sp>
-      <p:sp>
-        <p:nvSpPr>
-          <p:cNvPr id="4" name="Text Placeholder 3"/>
-          <p:cNvSpPr>
-            <a:spLocks noGrp="1"/>
-          </p:cNvSpPr>
-          <p:nvPr>
-            <p:ph type="body" sz="quarter" idx="13"/>
-          </p:nvPr>
-        </p:nvSpPr>
-        <p:spPr>
-          <a:xfrm>
-            <a:off x="828675" y="2657475"/>
-            <a:ext cx="7488238" cy="1076325"/>
-          </a:xfrm>
-        </p:spPr>
-        <p:txBody>
-          <a:bodyPr/>
-          <a:lstStyle/>
-          <a:p>
-            <a:pPr marL="0" indent="0" algn="ctr">
-              <a:buFont typeface="Arial" charset="0"/>
-              <a:buNone/>
-              <a:defRPr/>
-            </a:pPr>
-            <a:r>
-              <a:rPr lang="en-US" dirty="0" smtClean="0"/>
-              <a:t>Unobtrusive </a:t>
-            </a:r>
-            <a:r>
-              <a:rPr lang="en-US" dirty="0" smtClean="0">
-                <a:solidFill>
-                  <a:schemeClr val="accent5"/>
-                </a:solidFill>
-              </a:rPr>
-              <a:t>technologies</a:t>
-            </a:r>
-            <a:r>
-              <a:rPr lang="en-US" dirty="0" smtClean="0"/>
-              <a:t>, signal </a:t>
-            </a:r>
-            <a:r>
-              <a:rPr lang="en-US" dirty="0"/>
-              <a:t>processing and machine learning </a:t>
-            </a:r>
-            <a:r>
-              <a:rPr lang="en-US" dirty="0" smtClean="0">
-                <a:solidFill>
-                  <a:schemeClr val="accent5"/>
-                </a:solidFill>
-              </a:rPr>
-              <a:t>algorithms</a:t>
-            </a:r>
-            <a:r>
-              <a:rPr lang="en-US" dirty="0" smtClean="0"/>
-              <a:t> for modular </a:t>
-            </a:r>
-            <a:r>
-              <a:rPr lang="en-US" dirty="0" smtClean="0">
-                <a:solidFill>
-                  <a:schemeClr val="accent5"/>
-                </a:solidFill>
-              </a:rPr>
-              <a:t>patient training </a:t>
-            </a:r>
-            <a:r>
-              <a:rPr lang="en-US" dirty="0" smtClean="0"/>
-              <a:t>and </a:t>
-            </a:r>
-            <a:r>
-              <a:rPr lang="en-US" dirty="0" smtClean="0">
-                <a:solidFill>
-                  <a:schemeClr val="accent5"/>
-                </a:solidFill>
-              </a:rPr>
-              <a:t>monitoring</a:t>
-            </a:r>
-            <a:r>
-              <a:rPr lang="en-US" dirty="0" smtClean="0"/>
-              <a:t> systems</a:t>
-            </a:r>
-          </a:p>
-        </p:txBody>
-      </p:sp>
-    </p:spTree>
-    <p:extLst>
-      <p:ext uri="{BB962C8B-B14F-4D97-AF65-F5344CB8AC3E}">
-        <p14:creationId xmlns:p14="http://schemas.microsoft.com/office/powerpoint/2010/main" val="3496388726"/>
-      </p:ext>
-    </p:extLst>
-  </p:cSld>
-  <p:clrMapOvr>
-    <a:masterClrMapping/>
-  </p:clrMapOvr>
-  <p:timing>
-    <p:tnLst>
-      <p:par>
-        <p:cTn id="1" dur="indefinite" restart="never" nodeType="tmRoot"/>
-      </p:par>
-    </p:tnLst>
-  </p:timing>
-</p:sld>
-</file>
-
-<file path=ppt/slides/slide20.xml><?xml version="1.0" encoding="utf-8"?>
+<file path=ppt/slides/slide21.xml><?xml version="1.0" encoding="utf-8"?>
 <p:sld xmlns:a="http://schemas.openxmlformats.org/drawingml/2006/main" xmlns:r="http://schemas.openxmlformats.org/officeDocument/2006/relationships" xmlns:p="http://schemas.openxmlformats.org/presentationml/2006/main">
   <p:cSld>
     <p:spTree>
@@ -18386,7 +18518,7 @@
 </p:sld>
 </file>
 
-<file path=ppt/slides/slide21.xml><?xml version="1.0" encoding="utf-8"?>
+<file path=ppt/slides/slide22.xml><?xml version="1.0" encoding="utf-8"?>
 <p:sld xmlns:a="http://schemas.openxmlformats.org/drawingml/2006/main" xmlns:r="http://schemas.openxmlformats.org/officeDocument/2006/relationships" xmlns:p="http://schemas.openxmlformats.org/presentationml/2006/main">
   <p:cSld>
     <p:spTree>
@@ -18624,7 +18756,7 @@
 </p:sld>
 </file>
 
-<file path=ppt/slides/slide22.xml><?xml version="1.0" encoding="utf-8"?>
+<file path=ppt/slides/slide23.xml><?xml version="1.0" encoding="utf-8"?>
 <p:sld xmlns:a="http://schemas.openxmlformats.org/drawingml/2006/main" xmlns:r="http://schemas.openxmlformats.org/officeDocument/2006/relationships" xmlns:p="http://schemas.openxmlformats.org/presentationml/2006/main">
   <p:cSld>
     <p:spTree>
@@ -18743,7 +18875,7 @@
 </p:sld>
 </file>
 
-<file path=ppt/slides/slide23.xml><?xml version="1.0" encoding="utf-8"?>
+<file path=ppt/slides/slide24.xml><?xml version="1.0" encoding="utf-8"?>
 <p:sld xmlns:a="http://schemas.openxmlformats.org/drawingml/2006/main" xmlns:r="http://schemas.openxmlformats.org/officeDocument/2006/relationships" xmlns:p="http://schemas.openxmlformats.org/presentationml/2006/main">
   <p:cSld>
     <p:spTree>
@@ -18977,7 +19109,7 @@
 </p:sld>
 </file>
 
-<file path=ppt/slides/slide24.xml><?xml version="1.0" encoding="utf-8"?>
+<file path=ppt/slides/slide25.xml><?xml version="1.0" encoding="utf-8"?>
 <p:sld xmlns:a="http://schemas.openxmlformats.org/drawingml/2006/main" xmlns:r="http://schemas.openxmlformats.org/officeDocument/2006/relationships" xmlns:p="http://schemas.openxmlformats.org/presentationml/2006/main">
   <p:cSld>
     <p:spTree>
@@ -19009,7 +19141,7 @@
 </p:sld>
 </file>
 
-<file path=ppt/slides/slide25.xml><?xml version="1.0" encoding="utf-8"?>
+<file path=ppt/slides/slide26.xml><?xml version="1.0" encoding="utf-8"?>
 <p:sld xmlns:a="http://schemas.openxmlformats.org/drawingml/2006/main" xmlns:r="http://schemas.openxmlformats.org/officeDocument/2006/relationships" xmlns:p="http://schemas.openxmlformats.org/presentationml/2006/main">
   <p:cSld>
     <p:spTree>
@@ -20010,11 +20142,7 @@
             <a:pPr algn="just"/>
             <a:r>
               <a:rPr lang="en-US" sz="1200" dirty="0" smtClean="0"/>
-              <a:t>- Spina </a:t>
-            </a:r>
-            <a:r>
-              <a:rPr lang="en-US" sz="1200" dirty="0" smtClean="0"/>
-              <a:t>et al. </a:t>
+              <a:t>- Spina et al. </a:t>
             </a:r>
             <a:r>
               <a:rPr lang="en-US" sz="1200" b="1" dirty="0"/>
@@ -20375,11 +20503,7 @@
             <a:pPr algn="just"/>
             <a:r>
               <a:rPr lang="en-US" sz="1200" dirty="0" smtClean="0"/>
-              <a:t>- Spina </a:t>
-            </a:r>
-            <a:r>
-              <a:rPr lang="en-US" sz="1200" dirty="0" smtClean="0"/>
-              <a:t>et al. </a:t>
+              <a:t>- Spina et al. </a:t>
             </a:r>
             <a:r>
               <a:rPr lang="en-US" sz="1200" b="1" dirty="0" err="1" smtClean="0"/>
@@ -20423,11 +20547,7 @@
             </a:r>
             <a:r>
               <a:rPr lang="it-IT" sz="1200" dirty="0" smtClean="0"/>
-              <a:t>computing, </a:t>
-            </a:r>
-            <a:r>
-              <a:rPr lang="it-IT" sz="1200" dirty="0" smtClean="0"/>
-              <a:t>2013</a:t>
+              <a:t>computing, 2013</a:t>
             </a:r>
           </a:p>
           <a:p>
@@ -20815,11 +20935,7 @@
             <a:pPr algn="just"/>
             <a:r>
               <a:rPr lang="en-US" sz="1200" dirty="0" smtClean="0"/>
-              <a:t>- Spina </a:t>
-            </a:r>
-            <a:r>
-              <a:rPr lang="en-US" sz="1200" dirty="0" smtClean="0"/>
-              <a:t>et al. </a:t>
+              <a:t>- Spina et al. </a:t>
             </a:r>
             <a:r>
               <a:rPr lang="en-US" sz="1200" b="1" dirty="0"/>
@@ -21200,11 +21316,7 @@
             <a:pPr algn="just"/>
             <a:r>
               <a:rPr lang="en-US" sz="1200" dirty="0" smtClean="0"/>
-              <a:t>- Mesquita</a:t>
-            </a:r>
-            <a:r>
-              <a:rPr lang="en-US" sz="1200" dirty="0" smtClean="0"/>
-              <a:t>, Spina et al. </a:t>
+              <a:t>- Mesquita, Spina et al. </a:t>
             </a:r>
             <a:r>
               <a:rPr lang="en-US" sz="1200" b="1" dirty="0"/>
@@ -21216,11 +21328,7 @@
             </a:r>
             <a:r>
               <a:rPr lang="it-IT" sz="1200" dirty="0" smtClean="0"/>
-              <a:t>Submitted to </a:t>
-            </a:r>
-            <a:r>
-              <a:rPr lang="it-IT" sz="1200" dirty="0" smtClean="0"/>
-              <a:t>ERJ.</a:t>
+              <a:t>Submitted to ERJ.</a:t>
             </a:r>
           </a:p>
           <a:p>
@@ -21577,11 +21685,7 @@
             </a:pPr>
             <a:r>
               <a:rPr lang="en-US" sz="1200" dirty="0" smtClean="0"/>
-              <a:t>Spina </a:t>
-            </a:r>
-            <a:r>
-              <a:rPr lang="en-US" sz="1200" dirty="0" smtClean="0"/>
-              <a:t>et al. </a:t>
+              <a:t>Spina et al. </a:t>
             </a:r>
             <a:r>
               <a:rPr lang="en-US" sz="1200" b="1" dirty="0"/>
@@ -21617,11 +21721,7 @@
             </a:r>
             <a:r>
               <a:rPr lang="it-IT" sz="1200" dirty="0" smtClean="0"/>
-              <a:t>, </a:t>
-            </a:r>
-            <a:r>
-              <a:rPr lang="it-IT" sz="1200" dirty="0" smtClean="0"/>
-              <a:t>2015</a:t>
+              <a:t>, 2015</a:t>
             </a:r>
           </a:p>
           <a:p>
@@ -22299,13 +22399,7 @@
               <a:rPr lang="en-US" sz="1200" dirty="0" smtClean="0">
                 <a:latin typeface="+mj-lt"/>
               </a:rPr>
-              <a:t>- Spina </a:t>
-            </a:r>
-            <a:r>
-              <a:rPr lang="en-US" sz="1200" dirty="0" smtClean="0">
-                <a:latin typeface="+mj-lt"/>
-              </a:rPr>
-              <a:t>et al. </a:t>
+              <a:t>- Spina et al. </a:t>
             </a:r>
             <a:r>
               <a:rPr lang="en-US" sz="1200" b="1" dirty="0" err="1" smtClean="0">
@@ -22814,7 +22908,7 @@
           <a:graphicData uri="http://schemas.openxmlformats.org/presentationml/2006/ole">
             <mc:AlternateContent xmlns:mc="http://schemas.openxmlformats.org/markup-compatibility/2006">
               <mc:Choice xmlns:v="urn:schemas-microsoft-com:vml" Requires="v">
-                <p:oleObj spid="_x0000_s29756" name="Worksheet" r:id="rId4" imgW="7981841" imgH="4410011" progId="Excel.Sheet.12">
+                <p:oleObj spid="_x0000_s29761" name="Worksheet" r:id="rId4" imgW="7981841" imgH="4410011" progId="Excel.Sheet.12">
                   <p:embed/>
                 </p:oleObj>
               </mc:Choice>
@@ -22857,8 +22951,8 @@
         </p:nvSpPr>
         <p:spPr>
           <a:xfrm>
-            <a:off x="4038600" y="5867400"/>
-            <a:ext cx="4495800" cy="830997"/>
+            <a:off x="4038600" y="5715000"/>
+            <a:ext cx="4495800" cy="1015663"/>
           </a:xfrm>
           <a:prstGeom prst="rect">
             <a:avLst/>
@@ -22883,13 +22977,8 @@
             </a:pPr>
             <a:r>
               <a:rPr lang="en-US" sz="1200" dirty="0" smtClean="0"/>
-              <a:t>Clinical analysis Topic </a:t>
+              <a:t>Clinical analysis Topic modelling results</a:t>
             </a:r>
-            <a:r>
-              <a:rPr lang="en-US" sz="1200" smtClean="0"/>
-              <a:t>modelling results</a:t>
-            </a:r>
-            <a:endParaRPr lang="en-US" sz="1200" dirty="0" smtClean="0"/>
           </a:p>
           <a:p>
             <a:pPr marL="285750" indent="-285750">
@@ -22908,7 +22997,25 @@
             </a:pPr>
             <a:r>
               <a:rPr lang="en-US" sz="1200" dirty="0" smtClean="0"/>
-              <a:t>Activity recognition based on ADL data (EMBC 2015)</a:t>
+              <a:t>Activity recognition based on ADL data (EMBC 2015</a:t>
+            </a:r>
+            <a:r>
+              <a:rPr lang="en-US" sz="1200" dirty="0" smtClean="0"/>
+              <a:t>)</a:t>
+            </a:r>
+          </a:p>
+          <a:p>
+            <a:pPr marL="285750" indent="-285750">
+              <a:buFontTx/>
+              <a:buChar char="-"/>
+            </a:pPr>
+            <a:r>
+              <a:rPr lang="en-US" sz="1200" dirty="0" smtClean="0"/>
+              <a:t>Review  </a:t>
+            </a:r>
+            <a:r>
+              <a:rPr lang="en-US" sz="1200" smtClean="0"/>
+              <a:t>(introduction)</a:t>
             </a:r>
             <a:endParaRPr lang="en-US" sz="1200" dirty="0"/>
           </a:p>
@@ -23378,7 +23485,7 @@
   <a:extraClrSchemeLst/>
   <a:extLst>
     <a:ext uri="{05A4C25C-085E-4340-85A3-A5531E510DB2}">
-      <thm15:themeFamily xmlns="" xmlns:thm15="http://schemas.microsoft.com/office/thememl/2012/main" name="philips_internal_documentation_template_nov13.pptx" id="{DE36B277-C83F-4A85-9819-A77CE0CA1F6F}" vid="{FCDF7755-76C1-4ABB-A274-22B823C3C882}"/>
+      <thm15:themeFamily xmlns:thm15="http://schemas.microsoft.com/office/thememl/2012/main" xmlns="" name="philips_internal_documentation_template_nov13.pptx" id="{DE36B277-C83F-4A85-9819-A77CE0CA1F6F}" vid="{FCDF7755-76C1-4ABB-A274-22B823C3C882}"/>
     </a:ext>
   </a:extLst>
 </a:theme>
